--- a/Documentation/Présentation_ptut_s4.pptx
+++ b/Documentation/Présentation_ptut_s4.pptx
@@ -5318,7 +5318,7 @@
           <a:p>
             <a:fld id="{7EE59CD6-545A-F548-9F3B-0B46EA602E49}" type="datetimeFigureOut">
               <a:rPr lang="fr-FR" smtClean="0"/>
-              <a:t>04/04/2019</a:t>
+              <a:t>05/04/2019</a:t>
             </a:fld>
             <a:endParaRPr lang="fr-FR"/>
           </a:p>
@@ -5476,7 +5476,7 @@
           <a:p>
             <a:fld id="{F87235DA-A6E7-7F4F-9804-CF10F4D99344}" type="slidenum">
               <a:rPr lang="fr-FR" smtClean="0"/>
-              <a:t>‹N°›</a:t>
+              <a:t>‹Nr.›</a:t>
             </a:fld>
             <a:endParaRPr lang="fr-FR"/>
           </a:p>
@@ -6702,7 +6702,7 @@
           <a:p>
             <a:fld id="{651C2F17-E1B2-9747-B801-9AE724CEFBBF}" type="datetime9">
               <a:rPr lang="fr-FR" smtClean="0"/>
-              <a:t>04/04/2019 17:50:35</a:t>
+              <a:t>05/04/2019 10:51:28</a:t>
             </a:fld>
             <a:endParaRPr lang="fr-FR"/>
           </a:p>
@@ -6749,7 +6749,7 @@
           <a:p>
             <a:fld id="{3DE667E3-84F7-4B4A-954E-B76AF20F7A35}" type="slidenum">
               <a:rPr lang="fr-FR" smtClean="0"/>
-              <a:t>‹N°›</a:t>
+              <a:t>‹Nr.›</a:t>
             </a:fld>
             <a:endParaRPr lang="fr-FR"/>
           </a:p>
@@ -7111,7 +7111,7 @@
           <a:p>
             <a:fld id="{D76CE8AA-316F-B443-81A2-3E6C80173D54}" type="datetime9">
               <a:rPr lang="fr-FR" smtClean="0"/>
-              <a:t>04/04/2019 17:50:35</a:t>
+              <a:t>05/04/2019 10:51:28</a:t>
             </a:fld>
             <a:endParaRPr lang="fr-FR"/>
           </a:p>
@@ -7158,7 +7158,7 @@
           <a:p>
             <a:fld id="{3DE667E3-84F7-4B4A-954E-B76AF20F7A35}" type="slidenum">
               <a:rPr lang="fr-FR" smtClean="0"/>
-              <a:t>‹N°›</a:t>
+              <a:t>‹Nr.›</a:t>
             </a:fld>
             <a:endParaRPr lang="fr-FR"/>
           </a:p>
@@ -7442,7 +7442,7 @@
           <a:p>
             <a:fld id="{0AA530B5-DC28-E544-BDD9-1AED5747850B}" type="datetime9">
               <a:rPr lang="fr-FR" smtClean="0"/>
-              <a:t>04/04/2019 17:50:35</a:t>
+              <a:t>05/04/2019 10:51:28</a:t>
             </a:fld>
             <a:endParaRPr lang="fr-FR"/>
           </a:p>
@@ -7489,7 +7489,7 @@
           <a:p>
             <a:fld id="{3DE667E3-84F7-4B4A-954E-B76AF20F7A35}" type="slidenum">
               <a:rPr lang="fr-FR" smtClean="0"/>
-              <a:t>‹N°›</a:t>
+              <a:t>‹Nr.›</a:t>
             </a:fld>
             <a:endParaRPr lang="fr-FR"/>
           </a:p>
@@ -7842,7 +7842,7 @@
           <a:p>
             <a:fld id="{97C9612B-AB41-0F4D-BAB4-C97F84A2A4A2}" type="datetime9">
               <a:rPr lang="fr-FR" smtClean="0"/>
-              <a:t>04/04/2019 17:50:35</a:t>
+              <a:t>05/04/2019 10:51:28</a:t>
             </a:fld>
             <a:endParaRPr lang="fr-FR"/>
           </a:p>
@@ -7889,7 +7889,7 @@
           <a:p>
             <a:fld id="{3DE667E3-84F7-4B4A-954E-B76AF20F7A35}" type="slidenum">
               <a:rPr lang="fr-FR" smtClean="0"/>
-              <a:t>‹N°›</a:t>
+              <a:t>‹Nr.›</a:t>
             </a:fld>
             <a:endParaRPr lang="fr-FR"/>
           </a:p>
@@ -8405,7 +8405,7 @@
           <a:p>
             <a:fld id="{41D38B21-F916-F142-B526-2E698AA63365}" type="datetime9">
               <a:rPr lang="fr-FR" smtClean="0"/>
-              <a:t>04/04/2019 17:50:35</a:t>
+              <a:t>05/04/2019 10:51:28</a:t>
             </a:fld>
             <a:endParaRPr lang="fr-FR"/>
           </a:p>
@@ -8452,7 +8452,7 @@
           <a:p>
             <a:fld id="{3DE667E3-84F7-4B4A-954E-B76AF20F7A35}" type="slidenum">
               <a:rPr lang="fr-FR" smtClean="0"/>
-              <a:t>‹N°›</a:t>
+              <a:t>‹Nr.›</a:t>
             </a:fld>
             <a:endParaRPr lang="fr-FR"/>
           </a:p>
@@ -9081,7 +9081,7 @@
           <a:p>
             <a:fld id="{4AF42D4F-F226-8845-AC98-FD53B6E57721}" type="datetime9">
               <a:rPr lang="fr-FR" smtClean="0"/>
-              <a:t>04/04/2019 17:50:35</a:t>
+              <a:t>05/04/2019 10:51:28</a:t>
             </a:fld>
             <a:endParaRPr lang="fr-FR"/>
           </a:p>
@@ -9123,7 +9123,7 @@
           <a:p>
             <a:fld id="{3DE667E3-84F7-4B4A-954E-B76AF20F7A35}" type="slidenum">
               <a:rPr lang="fr-FR" smtClean="0"/>
-              <a:t>‹N°›</a:t>
+              <a:t>‹Nr.›</a:t>
             </a:fld>
             <a:endParaRPr lang="fr-FR"/>
           </a:p>
@@ -9989,7 +9989,7 @@
           <a:p>
             <a:fld id="{2CF84A9B-BBFB-7E4D-B023-66C4B5F4DDE6}" type="datetime9">
               <a:rPr lang="fr-FR" smtClean="0"/>
-              <a:t>04/04/2019 17:50:35</a:t>
+              <a:t>05/04/2019 10:51:28</a:t>
             </a:fld>
             <a:endParaRPr lang="fr-FR"/>
           </a:p>
@@ -10031,7 +10031,7 @@
           <a:p>
             <a:fld id="{3DE667E3-84F7-4B4A-954E-B76AF20F7A35}" type="slidenum">
               <a:rPr lang="fr-FR" smtClean="0"/>
-              <a:t>‹N°›</a:t>
+              <a:t>‹Nr.›</a:t>
             </a:fld>
             <a:endParaRPr lang="fr-FR"/>
           </a:p>
@@ -10297,7 +10297,7 @@
           <a:p>
             <a:fld id="{58D63612-FAD2-6641-9B42-C53EF769E580}" type="datetime9">
               <a:rPr lang="fr-FR" smtClean="0"/>
-              <a:t>04/04/2019 17:50:35</a:t>
+              <a:t>05/04/2019 10:51:28</a:t>
             </a:fld>
             <a:endParaRPr lang="fr-FR"/>
           </a:p>
@@ -10339,7 +10339,7 @@
           <a:p>
             <a:fld id="{3DE667E3-84F7-4B4A-954E-B76AF20F7A35}" type="slidenum">
               <a:rPr lang="fr-FR" smtClean="0"/>
-              <a:t>‹N°›</a:t>
+              <a:t>‹Nr.›</a:t>
             </a:fld>
             <a:endParaRPr lang="fr-FR"/>
           </a:p>
@@ -10556,7 +10556,7 @@
           <a:p>
             <a:fld id="{59678944-2705-3F43-93AB-1C6B32FDA60C}" type="datetime9">
               <a:rPr lang="fr-FR" smtClean="0"/>
-              <a:t>04/04/2019 17:50:35</a:t>
+              <a:t>05/04/2019 10:51:28</a:t>
             </a:fld>
             <a:endParaRPr lang="fr-FR"/>
           </a:p>
@@ -10612,7 +10612,7 @@
           <a:p>
             <a:fld id="{3DE667E3-84F7-4B4A-954E-B76AF20F7A35}" type="slidenum">
               <a:rPr lang="fr-FR" smtClean="0"/>
-              <a:t>‹N°›</a:t>
+              <a:t>‹Nr.›</a:t>
             </a:fld>
             <a:endParaRPr lang="fr-FR"/>
           </a:p>
@@ -10874,7 +10874,7 @@
           <a:p>
             <a:fld id="{0CF73167-8BCA-254A-A389-7430A423878C}" type="datetime9">
               <a:rPr lang="fr-FR" smtClean="0"/>
-              <a:t>04/04/2019 17:50:35</a:t>
+              <a:t>05/04/2019 10:51:28</a:t>
             </a:fld>
             <a:endParaRPr lang="fr-FR"/>
           </a:p>
@@ -10916,7 +10916,7 @@
           <a:p>
             <a:fld id="{3DE667E3-84F7-4B4A-954E-B76AF20F7A35}" type="slidenum">
               <a:rPr lang="fr-FR" smtClean="0"/>
-              <a:t>‹N°›</a:t>
+              <a:t>‹Nr.›</a:t>
             </a:fld>
             <a:endParaRPr lang="fr-FR"/>
           </a:p>
@@ -11258,7 +11258,7 @@
           <a:p>
             <a:fld id="{86CD2AE2-FDF6-9841-9F69-BFDC9BD5203F}" type="datetime9">
               <a:rPr lang="fr-FR" smtClean="0"/>
-              <a:t>04/04/2019 17:50:35</a:t>
+              <a:t>05/04/2019 10:51:28</a:t>
             </a:fld>
             <a:endParaRPr lang="fr-FR"/>
           </a:p>
@@ -11305,7 +11305,7 @@
           <a:p>
             <a:fld id="{3DE667E3-84F7-4B4A-954E-B76AF20F7A35}" type="slidenum">
               <a:rPr lang="fr-FR" smtClean="0"/>
-              <a:t>‹N°›</a:t>
+              <a:t>‹Nr.›</a:t>
             </a:fld>
             <a:endParaRPr lang="fr-FR"/>
           </a:p>
@@ -11629,7 +11629,7 @@
           <a:p>
             <a:fld id="{E13F0693-E0C7-9244-8C28-32ADD8CB3083}" type="datetime9">
               <a:rPr lang="fr-FR" smtClean="0"/>
-              <a:t>04/04/2019 17:50:35</a:t>
+              <a:t>05/04/2019 10:51:28</a:t>
             </a:fld>
             <a:endParaRPr lang="fr-FR"/>
           </a:p>
@@ -11671,7 +11671,7 @@
           <a:p>
             <a:fld id="{3DE667E3-84F7-4B4A-954E-B76AF20F7A35}" type="slidenum">
               <a:rPr lang="fr-FR" smtClean="0"/>
-              <a:t>‹N°›</a:t>
+              <a:t>‹Nr.›</a:t>
             </a:fld>
             <a:endParaRPr lang="fr-FR"/>
           </a:p>
@@ -12130,7 +12130,7 @@
           <a:p>
             <a:fld id="{35B5BB72-5D3B-C040-9D43-647791F3FCF3}" type="datetime9">
               <a:rPr lang="fr-FR" smtClean="0"/>
-              <a:t>04/04/2019 17:50:35</a:t>
+              <a:t>05/04/2019 10:51:28</a:t>
             </a:fld>
             <a:endParaRPr lang="fr-FR"/>
           </a:p>
@@ -12172,7 +12172,7 @@
           <a:p>
             <a:fld id="{3DE667E3-84F7-4B4A-954E-B76AF20F7A35}" type="slidenum">
               <a:rPr lang="fr-FR" smtClean="0"/>
-              <a:t>‹N°›</a:t>
+              <a:t>‹Nr.›</a:t>
             </a:fld>
             <a:endParaRPr lang="fr-FR"/>
           </a:p>
@@ -12382,7 +12382,7 @@
           <a:p>
             <a:fld id="{A75DC13E-D21D-2D40-A1E6-9A8AC2B173F9}" type="datetime9">
               <a:rPr lang="fr-FR" smtClean="0"/>
-              <a:t>04/04/2019 17:50:35</a:t>
+              <a:t>05/04/2019 10:51:28</a:t>
             </a:fld>
             <a:endParaRPr lang="fr-FR"/>
           </a:p>
@@ -12424,7 +12424,7 @@
           <a:p>
             <a:fld id="{3DE667E3-84F7-4B4A-954E-B76AF20F7A35}" type="slidenum">
               <a:rPr lang="fr-FR" smtClean="0"/>
-              <a:t>‹N°›</a:t>
+              <a:t>‹Nr.›</a:t>
             </a:fld>
             <a:endParaRPr lang="fr-FR"/>
           </a:p>
@@ -12540,7 +12540,7 @@
           <a:p>
             <a:fld id="{D1D769C8-CCC7-7049-BF83-0FD0C0C03E37}" type="datetime9">
               <a:rPr lang="fr-FR" smtClean="0"/>
-              <a:t>04/04/2019 17:50:35</a:t>
+              <a:t>05/04/2019 10:51:28</a:t>
             </a:fld>
             <a:endParaRPr lang="fr-FR"/>
           </a:p>
@@ -12582,7 +12582,7 @@
           <a:p>
             <a:fld id="{3DE667E3-84F7-4B4A-954E-B76AF20F7A35}" type="slidenum">
               <a:rPr lang="fr-FR" smtClean="0"/>
-              <a:t>‹N°›</a:t>
+              <a:t>‹Nr.›</a:t>
             </a:fld>
             <a:endParaRPr lang="fr-FR"/>
           </a:p>
@@ -12925,7 +12925,7 @@
           <a:p>
             <a:fld id="{7A3AF7F0-2678-D74C-84D1-95FA76D9D72C}" type="datetime9">
               <a:rPr lang="fr-FR" smtClean="0"/>
-              <a:t>04/04/2019 17:50:35</a:t>
+              <a:t>05/04/2019 10:51:28</a:t>
             </a:fld>
             <a:endParaRPr lang="fr-FR"/>
           </a:p>
@@ -12967,7 +12967,7 @@
           <a:p>
             <a:fld id="{3DE667E3-84F7-4B4A-954E-B76AF20F7A35}" type="slidenum">
               <a:rPr lang="fr-FR" smtClean="0"/>
-              <a:t>‹N°›</a:t>
+              <a:t>‹Nr.›</a:t>
             </a:fld>
             <a:endParaRPr lang="fr-FR"/>
           </a:p>
@@ -13329,7 +13329,7 @@
           <a:p>
             <a:fld id="{D390C2CD-1B11-FD49-BAAE-CE48240B572C}" type="datetime9">
               <a:rPr lang="fr-FR" smtClean="0"/>
-              <a:t>04/04/2019 17:50:35</a:t>
+              <a:t>05/04/2019 10:51:28</a:t>
             </a:fld>
             <a:endParaRPr lang="fr-FR"/>
           </a:p>
@@ -13371,7 +13371,7 @@
           <a:p>
             <a:fld id="{3DE667E3-84F7-4B4A-954E-B76AF20F7A35}" type="slidenum">
               <a:rPr lang="fr-FR" smtClean="0"/>
-              <a:t>‹N°›</a:t>
+              <a:t>‹Nr.›</a:t>
             </a:fld>
             <a:endParaRPr lang="fr-FR"/>
           </a:p>
@@ -13568,7 +13568,7 @@
           <a:p>
             <a:fld id="{8C9A07A6-16A7-6746-9191-5B4D35AFDDF8}" type="datetime9">
               <a:rPr lang="fr-FR" smtClean="0"/>
-              <a:t>04/04/2019 17:50:35</a:t>
+              <a:t>05/04/2019 10:51:28</a:t>
             </a:fld>
             <a:endParaRPr lang="fr-FR"/>
           </a:p>
@@ -13646,7 +13646,7 @@
           <a:p>
             <a:fld id="{3DE667E3-84F7-4B4A-954E-B76AF20F7A35}" type="slidenum">
               <a:rPr lang="fr-FR" smtClean="0"/>
-              <a:t>‹N°›</a:t>
+              <a:t>‹Nr.›</a:t>
             </a:fld>
             <a:endParaRPr lang="fr-FR"/>
           </a:p>
@@ -15114,6 +15114,49 @@
           </a:graphicData>
         </a:graphic>
       </p:graphicFrame>
+      <p:sp>
+        <p:nvSpPr>
+          <p:cNvPr id="5" name="Textfeld 4">
+            <a:extLst>
+              <a:ext uri="{FF2B5EF4-FFF2-40B4-BE49-F238E27FC236}">
+                <a16:creationId xmlns:a16="http://schemas.microsoft.com/office/drawing/2014/main" id="{1DCF290F-DBC0-43BC-9753-D6AB0AD7FFD8}"/>
+              </a:ext>
+            </a:extLst>
+          </p:cNvPr>
+          <p:cNvSpPr txBox="1"/>
+          <p:nvPr/>
+        </p:nvSpPr>
+        <p:spPr>
+          <a:xfrm>
+            <a:off x="149749" y="102528"/>
+            <a:ext cx="12042251" cy="461665"/>
+          </a:xfrm>
+          <a:prstGeom prst="rect">
+            <a:avLst/>
+          </a:prstGeom>
+          <a:noFill/>
+        </p:spPr>
+        <p:txBody>
+          <a:bodyPr wrap="square" rtlCol="0">
+            <a:spAutoFit/>
+          </a:bodyPr>
+          <a:lstStyle/>
+          <a:p>
+            <a:r>
+              <a:rPr lang="fr-FR" sz="2200" dirty="0"/>
+              <a:t>I/ Présentation              II/ Mise en œuvre                   </a:t>
+            </a:r>
+            <a:r>
+              <a:rPr lang="fr-FR" sz="2400" b="1" dirty="0"/>
+              <a:t>III/ Bilan</a:t>
+            </a:r>
+            <a:r>
+              <a:rPr lang="fr-FR" sz="2200" dirty="0"/>
+              <a:t>                     IV/ Conclusion</a:t>
+            </a:r>
+          </a:p>
+        </p:txBody>
+      </p:sp>
     </p:spTree>
     <p:extLst>
       <p:ext uri="{BB962C8B-B14F-4D97-AF65-F5344CB8AC3E}">
@@ -15472,6 +15515,53 @@
           </a:graphicData>
         </a:graphic>
       </p:graphicFrame>
+      <p:sp>
+        <p:nvSpPr>
+          <p:cNvPr id="6" name="Textfeld 5">
+            <a:extLst>
+              <a:ext uri="{FF2B5EF4-FFF2-40B4-BE49-F238E27FC236}">
+                <a16:creationId xmlns:a16="http://schemas.microsoft.com/office/drawing/2014/main" id="{FDB152D9-E801-47F2-98F0-CE91CD4BADBE}"/>
+              </a:ext>
+            </a:extLst>
+          </p:cNvPr>
+          <p:cNvSpPr txBox="1"/>
+          <p:nvPr/>
+        </p:nvSpPr>
+        <p:spPr>
+          <a:xfrm>
+            <a:off x="149749" y="102528"/>
+            <a:ext cx="12042251" cy="461665"/>
+          </a:xfrm>
+          <a:prstGeom prst="rect">
+            <a:avLst/>
+          </a:prstGeom>
+          <a:noFill/>
+        </p:spPr>
+        <p:txBody>
+          <a:bodyPr wrap="square" rtlCol="0">
+            <a:spAutoFit/>
+          </a:bodyPr>
+          <a:lstStyle/>
+          <a:p>
+            <a:r>
+              <a:rPr lang="fr-FR" sz="2200" dirty="0"/>
+              <a:t>I/ Présentation              </a:t>
+            </a:r>
+            <a:r>
+              <a:rPr lang="fr-FR" sz="2400" b="1" dirty="0"/>
+              <a:t>II/ Mise en œuvre</a:t>
+            </a:r>
+            <a:r>
+              <a:rPr lang="fr-FR" sz="2200" dirty="0"/>
+              <a:t>                 III/ Bilan                     </a:t>
+            </a:r>
+            <a:r>
+              <a:rPr lang="fr-FR" sz="2400" b="1" dirty="0"/>
+              <a:t>IV/ Conclusion</a:t>
+            </a:r>
+          </a:p>
+        </p:txBody>
+      </p:sp>
     </p:spTree>
     <p:extLst>
       <p:ext uri="{BB962C8B-B14F-4D97-AF65-F5344CB8AC3E}">
@@ -16127,7 +16217,7 @@
           </p:nvSpPr>
           <p:spPr>
             <a:xfrm>
-              <a:off x="6432930" y="4423016"/>
+              <a:off x="6432930" y="4334528"/>
               <a:ext cx="3400704" cy="576262"/>
             </a:xfrm>
             <a:prstGeom prst="rect">
@@ -17902,7 +17992,7 @@
           <a:p>
             <a:r>
               <a:rPr lang="fr-FR" dirty="0"/>
-              <a:t>Sujet et fonctionnalités - Contexte</a:t>
+              <a:t>Présentation - Contexte</a:t>
             </a:r>
           </a:p>
         </p:txBody>
@@ -18120,6 +18210,45 @@
           </a:p>
         </p:txBody>
       </p:sp>
+      <p:sp>
+        <p:nvSpPr>
+          <p:cNvPr id="8" name="Textfeld 7">
+            <a:extLst>
+              <a:ext uri="{FF2B5EF4-FFF2-40B4-BE49-F238E27FC236}">
+                <a16:creationId xmlns:a16="http://schemas.microsoft.com/office/drawing/2014/main" id="{F92583B2-9F73-47D4-99D1-CF98C14B9BE1}"/>
+              </a:ext>
+            </a:extLst>
+          </p:cNvPr>
+          <p:cNvSpPr txBox="1"/>
+          <p:nvPr/>
+        </p:nvSpPr>
+        <p:spPr>
+          <a:xfrm>
+            <a:off x="149749" y="102528"/>
+            <a:ext cx="12042251" cy="461665"/>
+          </a:xfrm>
+          <a:prstGeom prst="rect">
+            <a:avLst/>
+          </a:prstGeom>
+          <a:noFill/>
+        </p:spPr>
+        <p:txBody>
+          <a:bodyPr wrap="square" rtlCol="0">
+            <a:spAutoFit/>
+          </a:bodyPr>
+          <a:lstStyle/>
+          <a:p>
+            <a:r>
+              <a:rPr lang="fr-FR" sz="2400" b="1" dirty="0"/>
+              <a:t>I/ Présentation</a:t>
+            </a:r>
+            <a:r>
+              <a:rPr lang="fr-FR" sz="2200" dirty="0"/>
+              <a:t>              II/ Mise en œuvre                     III/ Bilan                    IV/ Conclusion</a:t>
+            </a:r>
+          </a:p>
+        </p:txBody>
+      </p:sp>
     </p:spTree>
     <p:extLst>
       <p:ext uri="{BB962C8B-B14F-4D97-AF65-F5344CB8AC3E}">
@@ -18130,6 +18259,130 @@
   <p:clrMapOvr>
     <a:masterClrMapping/>
   </p:clrMapOvr>
+  <p:timing>
+    <p:tnLst>
+      <p:par>
+        <p:cTn id="1" dur="indefinite" restart="never" nodeType="tmRoot">
+          <p:childTnLst>
+            <p:seq concurrent="1" nextAc="seek">
+              <p:cTn id="2" dur="indefinite" nodeType="mainSeq">
+                <p:childTnLst>
+                  <p:par>
+                    <p:cTn id="3" fill="hold">
+                      <p:stCondLst>
+                        <p:cond delay="indefinite"/>
+                      </p:stCondLst>
+                      <p:childTnLst>
+                        <p:par>
+                          <p:cTn id="4" fill="hold">
+                            <p:stCondLst>
+                              <p:cond delay="0"/>
+                            </p:stCondLst>
+                            <p:childTnLst>
+                              <p:par>
+                                <p:cTn id="5" presetID="1" presetClass="entr" presetSubtype="0" fill="hold" grpId="0" nodeType="clickEffect">
+                                  <p:stCondLst>
+                                    <p:cond delay="0"/>
+                                  </p:stCondLst>
+                                  <p:childTnLst>
+                                    <p:set>
+                                      <p:cBhvr>
+                                        <p:cTn id="6" dur="1" fill="hold">
+                                          <p:stCondLst>
+                                            <p:cond delay="0"/>
+                                          </p:stCondLst>
+                                        </p:cTn>
+                                        <p:tgtEl>
+                                          <p:spTgt spid="9"/>
+                                        </p:tgtEl>
+                                        <p:attrNameLst>
+                                          <p:attrName>style.visibility</p:attrName>
+                                        </p:attrNameLst>
+                                      </p:cBhvr>
+                                      <p:to>
+                                        <p:strVal val="visible"/>
+                                      </p:to>
+                                    </p:set>
+                                  </p:childTnLst>
+                                </p:cTn>
+                              </p:par>
+                            </p:childTnLst>
+                          </p:cTn>
+                        </p:par>
+                      </p:childTnLst>
+                    </p:cTn>
+                  </p:par>
+                  <p:par>
+                    <p:cTn id="7" fill="hold">
+                      <p:stCondLst>
+                        <p:cond delay="indefinite"/>
+                      </p:stCondLst>
+                      <p:childTnLst>
+                        <p:par>
+                          <p:cTn id="8" fill="hold">
+                            <p:stCondLst>
+                              <p:cond delay="0"/>
+                            </p:stCondLst>
+                            <p:childTnLst>
+                              <p:par>
+                                <p:cTn id="9" presetID="1" presetClass="entr" presetSubtype="0" fill="hold" grpId="0" nodeType="clickEffect">
+                                  <p:stCondLst>
+                                    <p:cond delay="0"/>
+                                  </p:stCondLst>
+                                  <p:childTnLst>
+                                    <p:set>
+                                      <p:cBhvr>
+                                        <p:cTn id="10" dur="1" fill="hold">
+                                          <p:stCondLst>
+                                            <p:cond delay="0"/>
+                                          </p:stCondLst>
+                                        </p:cTn>
+                                        <p:tgtEl>
+                                          <p:spTgt spid="6"/>
+                                        </p:tgtEl>
+                                        <p:attrNameLst>
+                                          <p:attrName>style.visibility</p:attrName>
+                                        </p:attrNameLst>
+                                      </p:cBhvr>
+                                      <p:to>
+                                        <p:strVal val="visible"/>
+                                      </p:to>
+                                    </p:set>
+                                  </p:childTnLst>
+                                </p:cTn>
+                              </p:par>
+                            </p:childTnLst>
+                          </p:cTn>
+                        </p:par>
+                      </p:childTnLst>
+                    </p:cTn>
+                  </p:par>
+                </p:childTnLst>
+              </p:cTn>
+              <p:prevCondLst>
+                <p:cond evt="onPrev" delay="0">
+                  <p:tgtEl>
+                    <p:sldTgt/>
+                  </p:tgtEl>
+                </p:cond>
+              </p:prevCondLst>
+              <p:nextCondLst>
+                <p:cond evt="onNext" delay="0">
+                  <p:tgtEl>
+                    <p:sldTgt/>
+                  </p:tgtEl>
+                </p:cond>
+              </p:nextCondLst>
+            </p:seq>
+          </p:childTnLst>
+        </p:cTn>
+      </p:par>
+    </p:tnLst>
+    <p:bldLst>
+      <p:bldP spid="6" grpId="0"/>
+      <p:bldP spid="9" grpId="0"/>
+    </p:bldLst>
+  </p:timing>
 </p:sld>
 </file>
 
@@ -18202,7 +18455,7 @@
           <a:p>
             <a:r>
               <a:rPr lang="fr-FR" dirty="0"/>
-              <a:t>Sujet et fonctionnalités - Structure</a:t>
+              <a:t>Présentation - Structure</a:t>
             </a:r>
           </a:p>
         </p:txBody>
@@ -18363,6 +18616,45 @@
           </a:p>
         </p:txBody>
       </p:sp>
+      <p:sp>
+        <p:nvSpPr>
+          <p:cNvPr id="11" name="Textfeld 10">
+            <a:extLst>
+              <a:ext uri="{FF2B5EF4-FFF2-40B4-BE49-F238E27FC236}">
+                <a16:creationId xmlns:a16="http://schemas.microsoft.com/office/drawing/2014/main" id="{B22090CB-9076-4FE7-B966-75C8C731B21D}"/>
+              </a:ext>
+            </a:extLst>
+          </p:cNvPr>
+          <p:cNvSpPr txBox="1"/>
+          <p:nvPr/>
+        </p:nvSpPr>
+        <p:spPr>
+          <a:xfrm>
+            <a:off x="149749" y="102528"/>
+            <a:ext cx="12042251" cy="461665"/>
+          </a:xfrm>
+          <a:prstGeom prst="rect">
+            <a:avLst/>
+          </a:prstGeom>
+          <a:noFill/>
+        </p:spPr>
+        <p:txBody>
+          <a:bodyPr wrap="square" rtlCol="0">
+            <a:spAutoFit/>
+          </a:bodyPr>
+          <a:lstStyle/>
+          <a:p>
+            <a:r>
+              <a:rPr lang="fr-FR" sz="2400" b="1" dirty="0"/>
+              <a:t>I/ Présentation</a:t>
+            </a:r>
+            <a:r>
+              <a:rPr lang="fr-FR" sz="2200" dirty="0"/>
+              <a:t>              II/ Mise en œuvre                    III/ Bilan                     IV/ Conclusion</a:t>
+            </a:r>
+          </a:p>
+        </p:txBody>
+      </p:sp>
     </p:spTree>
     <p:extLst>
       <p:ext uri="{BB962C8B-B14F-4D97-AF65-F5344CB8AC3E}">
@@ -18648,6 +18940,49 @@
           </a:p>
         </p:txBody>
       </p:sp>
+      <p:sp>
+        <p:nvSpPr>
+          <p:cNvPr id="8" name="Textfeld 7">
+            <a:extLst>
+              <a:ext uri="{FF2B5EF4-FFF2-40B4-BE49-F238E27FC236}">
+                <a16:creationId xmlns:a16="http://schemas.microsoft.com/office/drawing/2014/main" id="{FD153E76-736A-4646-BB88-27EE3B8AE809}"/>
+              </a:ext>
+            </a:extLst>
+          </p:cNvPr>
+          <p:cNvSpPr txBox="1"/>
+          <p:nvPr/>
+        </p:nvSpPr>
+        <p:spPr>
+          <a:xfrm>
+            <a:off x="149749" y="102528"/>
+            <a:ext cx="12042251" cy="461665"/>
+          </a:xfrm>
+          <a:prstGeom prst="rect">
+            <a:avLst/>
+          </a:prstGeom>
+          <a:noFill/>
+        </p:spPr>
+        <p:txBody>
+          <a:bodyPr wrap="square" rtlCol="0">
+            <a:spAutoFit/>
+          </a:bodyPr>
+          <a:lstStyle/>
+          <a:p>
+            <a:r>
+              <a:rPr lang="fr-FR" sz="2200" dirty="0"/>
+              <a:t>I/ Présentation              </a:t>
+            </a:r>
+            <a:r>
+              <a:rPr lang="fr-FR" sz="2400" b="1" dirty="0"/>
+              <a:t>II/ Mise en œuvre</a:t>
+            </a:r>
+            <a:r>
+              <a:rPr lang="fr-FR" sz="2200" dirty="0"/>
+              <a:t>                   III/ Bilan                     IV/ Conclusion</a:t>
+            </a:r>
+          </a:p>
+        </p:txBody>
+      </p:sp>
     </p:spTree>
     <p:extLst>
       <p:ext uri="{BB962C8B-B14F-4D97-AF65-F5344CB8AC3E}">
@@ -18658,6 +18993,130 @@
   <p:clrMapOvr>
     <a:masterClrMapping/>
   </p:clrMapOvr>
+  <p:timing>
+    <p:tnLst>
+      <p:par>
+        <p:cTn id="1" dur="indefinite" restart="never" nodeType="tmRoot">
+          <p:childTnLst>
+            <p:seq concurrent="1" nextAc="seek">
+              <p:cTn id="2" dur="indefinite" nodeType="mainSeq">
+                <p:childTnLst>
+                  <p:par>
+                    <p:cTn id="3" fill="hold">
+                      <p:stCondLst>
+                        <p:cond delay="indefinite"/>
+                      </p:stCondLst>
+                      <p:childTnLst>
+                        <p:par>
+                          <p:cTn id="4" fill="hold">
+                            <p:stCondLst>
+                              <p:cond delay="0"/>
+                            </p:stCondLst>
+                            <p:childTnLst>
+                              <p:par>
+                                <p:cTn id="5" presetID="1" presetClass="entr" presetSubtype="0" fill="hold" grpId="0" nodeType="clickEffect">
+                                  <p:stCondLst>
+                                    <p:cond delay="0"/>
+                                  </p:stCondLst>
+                                  <p:childTnLst>
+                                    <p:set>
+                                      <p:cBhvr>
+                                        <p:cTn id="6" dur="1" fill="hold">
+                                          <p:stCondLst>
+                                            <p:cond delay="0"/>
+                                          </p:stCondLst>
+                                        </p:cTn>
+                                        <p:tgtEl>
+                                          <p:spTgt spid="20"/>
+                                        </p:tgtEl>
+                                        <p:attrNameLst>
+                                          <p:attrName>style.visibility</p:attrName>
+                                        </p:attrNameLst>
+                                      </p:cBhvr>
+                                      <p:to>
+                                        <p:strVal val="visible"/>
+                                      </p:to>
+                                    </p:set>
+                                  </p:childTnLst>
+                                </p:cTn>
+                              </p:par>
+                            </p:childTnLst>
+                          </p:cTn>
+                        </p:par>
+                      </p:childTnLst>
+                    </p:cTn>
+                  </p:par>
+                  <p:par>
+                    <p:cTn id="7" fill="hold">
+                      <p:stCondLst>
+                        <p:cond delay="indefinite"/>
+                      </p:stCondLst>
+                      <p:childTnLst>
+                        <p:par>
+                          <p:cTn id="8" fill="hold">
+                            <p:stCondLst>
+                              <p:cond delay="0"/>
+                            </p:stCondLst>
+                            <p:childTnLst>
+                              <p:par>
+                                <p:cTn id="9" presetID="1" presetClass="entr" presetSubtype="0" fill="hold" grpId="0" nodeType="clickEffect">
+                                  <p:stCondLst>
+                                    <p:cond delay="0"/>
+                                  </p:stCondLst>
+                                  <p:childTnLst>
+                                    <p:set>
+                                      <p:cBhvr>
+                                        <p:cTn id="10" dur="1" fill="hold">
+                                          <p:stCondLst>
+                                            <p:cond delay="0"/>
+                                          </p:stCondLst>
+                                        </p:cTn>
+                                        <p:tgtEl>
+                                          <p:spTgt spid="11"/>
+                                        </p:tgtEl>
+                                        <p:attrNameLst>
+                                          <p:attrName>style.visibility</p:attrName>
+                                        </p:attrNameLst>
+                                      </p:cBhvr>
+                                      <p:to>
+                                        <p:strVal val="visible"/>
+                                      </p:to>
+                                    </p:set>
+                                  </p:childTnLst>
+                                </p:cTn>
+                              </p:par>
+                            </p:childTnLst>
+                          </p:cTn>
+                        </p:par>
+                      </p:childTnLst>
+                    </p:cTn>
+                  </p:par>
+                </p:childTnLst>
+              </p:cTn>
+              <p:prevCondLst>
+                <p:cond evt="onPrev" delay="0">
+                  <p:tgtEl>
+                    <p:sldTgt/>
+                  </p:tgtEl>
+                </p:cond>
+              </p:prevCondLst>
+              <p:nextCondLst>
+                <p:cond evt="onNext" delay="0">
+                  <p:tgtEl>
+                    <p:sldTgt/>
+                  </p:tgtEl>
+                </p:cond>
+              </p:nextCondLst>
+            </p:seq>
+          </p:childTnLst>
+        </p:cTn>
+      </p:par>
+    </p:tnLst>
+    <p:bldLst>
+      <p:bldP spid="20" grpId="0"/>
+      <p:bldP spid="11" grpId="0"/>
+    </p:bldLst>
+  </p:timing>
 </p:sld>
 </file>
 
@@ -18814,7 +19273,7 @@
         <p:spPr>
           <a:xfrm>
             <a:off x="128778" y="2258164"/>
-            <a:ext cx="6943232" cy="4308872"/>
+            <a:ext cx="5431456" cy="4370427"/>
           </a:xfrm>
           <a:prstGeom prst="rect">
             <a:avLst/>
@@ -18829,7 +19288,7 @@
           <a:p>
             <a:pPr algn="ctr"/>
             <a:r>
-              <a:rPr lang="fr-FR" sz="2200" b="1" dirty="0"/>
+              <a:rPr lang="fr-FR" sz="2600" b="1" dirty="0"/>
               <a:t>Difficultés</a:t>
             </a:r>
           </a:p>
@@ -18950,6 +19409,49 @@
               <a:buChar char="•"/>
             </a:pPr>
             <a:endParaRPr lang="fr-FR" dirty="0"/>
+          </a:p>
+        </p:txBody>
+      </p:sp>
+      <p:sp>
+        <p:nvSpPr>
+          <p:cNvPr id="7" name="Textfeld 6">
+            <a:extLst>
+              <a:ext uri="{FF2B5EF4-FFF2-40B4-BE49-F238E27FC236}">
+                <a16:creationId xmlns:a16="http://schemas.microsoft.com/office/drawing/2014/main" id="{3966D008-031D-4B55-A6B4-5E4102E8738A}"/>
+              </a:ext>
+            </a:extLst>
+          </p:cNvPr>
+          <p:cNvSpPr txBox="1"/>
+          <p:nvPr/>
+        </p:nvSpPr>
+        <p:spPr>
+          <a:xfrm>
+            <a:off x="149749" y="102528"/>
+            <a:ext cx="12042251" cy="461665"/>
+          </a:xfrm>
+          <a:prstGeom prst="rect">
+            <a:avLst/>
+          </a:prstGeom>
+          <a:noFill/>
+        </p:spPr>
+        <p:txBody>
+          <a:bodyPr wrap="square" rtlCol="0">
+            <a:spAutoFit/>
+          </a:bodyPr>
+          <a:lstStyle/>
+          <a:p>
+            <a:r>
+              <a:rPr lang="fr-FR" sz="2200" dirty="0"/>
+              <a:t>I/ Présentation              </a:t>
+            </a:r>
+            <a:r>
+              <a:rPr lang="fr-FR" sz="2400" b="1" dirty="0"/>
+              <a:t>II/ Mise en œuvre</a:t>
+            </a:r>
+            <a:r>
+              <a:rPr lang="fr-FR" sz="2200" dirty="0"/>
+              <a:t>                   III/ Bilan                     IV/ Conclusion</a:t>
+            </a:r>
           </a:p>
         </p:txBody>
       </p:sp>
@@ -19250,6 +19752,49 @@
           </a:prstGeom>
         </p:spPr>
       </p:pic>
+      <p:sp>
+        <p:nvSpPr>
+          <p:cNvPr id="7" name="Textfeld 6">
+            <a:extLst>
+              <a:ext uri="{FF2B5EF4-FFF2-40B4-BE49-F238E27FC236}">
+                <a16:creationId xmlns:a16="http://schemas.microsoft.com/office/drawing/2014/main" id="{0A8DEF5D-C7F8-48B9-A945-2F57D2425E9B}"/>
+              </a:ext>
+            </a:extLst>
+          </p:cNvPr>
+          <p:cNvSpPr txBox="1"/>
+          <p:nvPr/>
+        </p:nvSpPr>
+        <p:spPr>
+          <a:xfrm>
+            <a:off x="149749" y="102528"/>
+            <a:ext cx="12042251" cy="461665"/>
+          </a:xfrm>
+          <a:prstGeom prst="rect">
+            <a:avLst/>
+          </a:prstGeom>
+          <a:noFill/>
+        </p:spPr>
+        <p:txBody>
+          <a:bodyPr wrap="square" rtlCol="0">
+            <a:spAutoFit/>
+          </a:bodyPr>
+          <a:lstStyle/>
+          <a:p>
+            <a:r>
+              <a:rPr lang="fr-FR" sz="2200" dirty="0"/>
+              <a:t>I/ Présentation              </a:t>
+            </a:r>
+            <a:r>
+              <a:rPr lang="fr-FR" sz="2400" b="1" dirty="0"/>
+              <a:t>II/ Mise en œuvre</a:t>
+            </a:r>
+            <a:r>
+              <a:rPr lang="fr-FR" sz="2200" dirty="0"/>
+              <a:t>                   III/ Bilan                     IV/ Conclusion</a:t>
+            </a:r>
+          </a:p>
+        </p:txBody>
+      </p:sp>
     </p:spTree>
     <p:extLst>
       <p:ext uri="{BB962C8B-B14F-4D97-AF65-F5344CB8AC3E}">
@@ -19260,6 +19805,130 @@
   <p:clrMapOvr>
     <a:masterClrMapping/>
   </p:clrMapOvr>
+  <p:timing>
+    <p:tnLst>
+      <p:par>
+        <p:cTn id="1" dur="indefinite" restart="never" nodeType="tmRoot">
+          <p:childTnLst>
+            <p:seq concurrent="1" nextAc="seek">
+              <p:cTn id="2" dur="indefinite" nodeType="mainSeq">
+                <p:childTnLst>
+                  <p:par>
+                    <p:cTn id="3" fill="hold">
+                      <p:stCondLst>
+                        <p:cond delay="indefinite"/>
+                      </p:stCondLst>
+                      <p:childTnLst>
+                        <p:par>
+                          <p:cTn id="4" fill="hold">
+                            <p:stCondLst>
+                              <p:cond delay="0"/>
+                            </p:stCondLst>
+                            <p:childTnLst>
+                              <p:par>
+                                <p:cTn id="5" presetID="1" presetClass="entr" presetSubtype="0" fill="hold" grpId="0" nodeType="clickEffect">
+                                  <p:stCondLst>
+                                    <p:cond delay="0"/>
+                                  </p:stCondLst>
+                                  <p:childTnLst>
+                                    <p:set>
+                                      <p:cBhvr>
+                                        <p:cTn id="6" dur="1" fill="hold">
+                                          <p:stCondLst>
+                                            <p:cond delay="0"/>
+                                          </p:stCondLst>
+                                        </p:cTn>
+                                        <p:tgtEl>
+                                          <p:spTgt spid="20"/>
+                                        </p:tgtEl>
+                                        <p:attrNameLst>
+                                          <p:attrName>style.visibility</p:attrName>
+                                        </p:attrNameLst>
+                                      </p:cBhvr>
+                                      <p:to>
+                                        <p:strVal val="visible"/>
+                                      </p:to>
+                                    </p:set>
+                                  </p:childTnLst>
+                                </p:cTn>
+                              </p:par>
+                            </p:childTnLst>
+                          </p:cTn>
+                        </p:par>
+                      </p:childTnLst>
+                    </p:cTn>
+                  </p:par>
+                  <p:par>
+                    <p:cTn id="7" fill="hold">
+                      <p:stCondLst>
+                        <p:cond delay="indefinite"/>
+                      </p:stCondLst>
+                      <p:childTnLst>
+                        <p:par>
+                          <p:cTn id="8" fill="hold">
+                            <p:stCondLst>
+                              <p:cond delay="0"/>
+                            </p:stCondLst>
+                            <p:childTnLst>
+                              <p:par>
+                                <p:cTn id="9" presetID="1" presetClass="entr" presetSubtype="0" fill="hold" grpId="0" nodeType="clickEffect">
+                                  <p:stCondLst>
+                                    <p:cond delay="0"/>
+                                  </p:stCondLst>
+                                  <p:childTnLst>
+                                    <p:set>
+                                      <p:cBhvr>
+                                        <p:cTn id="10" dur="1" fill="hold">
+                                          <p:stCondLst>
+                                            <p:cond delay="0"/>
+                                          </p:stCondLst>
+                                        </p:cTn>
+                                        <p:tgtEl>
+                                          <p:spTgt spid="11"/>
+                                        </p:tgtEl>
+                                        <p:attrNameLst>
+                                          <p:attrName>style.visibility</p:attrName>
+                                        </p:attrNameLst>
+                                      </p:cBhvr>
+                                      <p:to>
+                                        <p:strVal val="visible"/>
+                                      </p:to>
+                                    </p:set>
+                                  </p:childTnLst>
+                                </p:cTn>
+                              </p:par>
+                            </p:childTnLst>
+                          </p:cTn>
+                        </p:par>
+                      </p:childTnLst>
+                    </p:cTn>
+                  </p:par>
+                </p:childTnLst>
+              </p:cTn>
+              <p:prevCondLst>
+                <p:cond evt="onPrev" delay="0">
+                  <p:tgtEl>
+                    <p:sldTgt/>
+                  </p:tgtEl>
+                </p:cond>
+              </p:prevCondLst>
+              <p:nextCondLst>
+                <p:cond evt="onNext" delay="0">
+                  <p:tgtEl>
+                    <p:sldTgt/>
+                  </p:tgtEl>
+                </p:cond>
+              </p:nextCondLst>
+            </p:seq>
+          </p:childTnLst>
+        </p:cTn>
+      </p:par>
+    </p:tnLst>
+    <p:bldLst>
+      <p:bldP spid="20" grpId="0"/>
+      <p:bldP spid="11" grpId="0"/>
+    </p:bldLst>
+  </p:timing>
 </p:sld>
 </file>
 
@@ -19371,8 +20040,8 @@
         </p:nvSpPr>
         <p:spPr>
           <a:xfrm>
-            <a:off x="423746" y="1978151"/>
-            <a:ext cx="6232692" cy="4755148"/>
+            <a:off x="0" y="1897448"/>
+            <a:ext cx="6232692" cy="4847481"/>
           </a:xfrm>
           <a:prstGeom prst="rect">
             <a:avLst/>
@@ -19391,10 +20060,10 @@
               </a:lnSpc>
             </a:pPr>
             <a:r>
-              <a:rPr lang="fr-FR" sz="2200" b="1" dirty="0"/>
+              <a:rPr lang="fr-FR" sz="2600" b="1" dirty="0"/>
               <a:t>Difficultés</a:t>
             </a:r>
-            <a:endParaRPr lang="fr-FR" dirty="0"/>
+            <a:endParaRPr lang="fr-FR" sz="2600" dirty="0"/>
           </a:p>
           <a:p>
             <a:pPr marL="1257300" lvl="2" indent="-342900">
@@ -19550,14 +20219,57 @@
         </p:blipFill>
         <p:spPr>
           <a:xfrm>
-            <a:off x="7742290" y="2092473"/>
-            <a:ext cx="2682365" cy="4652456"/>
+            <a:off x="7263319" y="2038502"/>
+            <a:ext cx="2751538" cy="4772434"/>
           </a:xfrm>
           <a:prstGeom prst="rect">
             <a:avLst/>
           </a:prstGeom>
         </p:spPr>
       </p:pic>
+      <p:sp>
+        <p:nvSpPr>
+          <p:cNvPr id="6" name="Textfeld 5">
+            <a:extLst>
+              <a:ext uri="{FF2B5EF4-FFF2-40B4-BE49-F238E27FC236}">
+                <a16:creationId xmlns:a16="http://schemas.microsoft.com/office/drawing/2014/main" id="{3DAFBD2C-8A30-4C86-8F9B-0680342CF76F}"/>
+              </a:ext>
+            </a:extLst>
+          </p:cNvPr>
+          <p:cNvSpPr txBox="1"/>
+          <p:nvPr/>
+        </p:nvSpPr>
+        <p:spPr>
+          <a:xfrm>
+            <a:off x="149749" y="102528"/>
+            <a:ext cx="12042251" cy="461665"/>
+          </a:xfrm>
+          <a:prstGeom prst="rect">
+            <a:avLst/>
+          </a:prstGeom>
+          <a:noFill/>
+        </p:spPr>
+        <p:txBody>
+          <a:bodyPr wrap="square" rtlCol="0">
+            <a:spAutoFit/>
+          </a:bodyPr>
+          <a:lstStyle/>
+          <a:p>
+            <a:r>
+              <a:rPr lang="fr-FR" sz="2200" dirty="0"/>
+              <a:t>I/ Présentation              </a:t>
+            </a:r>
+            <a:r>
+              <a:rPr lang="fr-FR" sz="2400" b="1" dirty="0"/>
+              <a:t>II/ Mise en œuvre</a:t>
+            </a:r>
+            <a:r>
+              <a:rPr lang="fr-FR" sz="2200" dirty="0"/>
+              <a:t>                   III/ Bilan                     IV/ Conclusion</a:t>
+            </a:r>
+          </a:p>
+        </p:txBody>
+      </p:sp>
     </p:spTree>
     <p:extLst>
       <p:ext uri="{BB962C8B-B14F-4D97-AF65-F5344CB8AC3E}">
@@ -19782,6 +20494,49 @@
           </a:graphicData>
         </a:graphic>
       </p:graphicFrame>
+      <p:sp>
+        <p:nvSpPr>
+          <p:cNvPr id="9" name="Textfeld 8">
+            <a:extLst>
+              <a:ext uri="{FF2B5EF4-FFF2-40B4-BE49-F238E27FC236}">
+                <a16:creationId xmlns:a16="http://schemas.microsoft.com/office/drawing/2014/main" id="{5B32847B-31D3-406E-9B3D-DA409C6E0130}"/>
+              </a:ext>
+            </a:extLst>
+          </p:cNvPr>
+          <p:cNvSpPr txBox="1"/>
+          <p:nvPr/>
+        </p:nvSpPr>
+        <p:spPr>
+          <a:xfrm>
+            <a:off x="149749" y="102528"/>
+            <a:ext cx="12042251" cy="461665"/>
+          </a:xfrm>
+          <a:prstGeom prst="rect">
+            <a:avLst/>
+          </a:prstGeom>
+          <a:noFill/>
+        </p:spPr>
+        <p:txBody>
+          <a:bodyPr wrap="square" rtlCol="0">
+            <a:spAutoFit/>
+          </a:bodyPr>
+          <a:lstStyle/>
+          <a:p>
+            <a:r>
+              <a:rPr lang="fr-FR" sz="2200" dirty="0"/>
+              <a:t>I/ Présentation              </a:t>
+            </a:r>
+            <a:r>
+              <a:rPr lang="fr-FR" sz="2400" b="1" dirty="0"/>
+              <a:t>II/ Mise en œuvre</a:t>
+            </a:r>
+            <a:r>
+              <a:rPr lang="fr-FR" sz="2200" dirty="0"/>
+              <a:t>                   III/ Bilan                     IV/ Conclusion</a:t>
+            </a:r>
+          </a:p>
+        </p:txBody>
+      </p:sp>
     </p:spTree>
     <p:extLst>
       <p:ext uri="{BB962C8B-B14F-4D97-AF65-F5344CB8AC3E}">
